--- a/Slides/ggl003-Assimp.pptx
+++ b/Slides/ggl003-Assimp.pptx
@@ -226,7 +226,7 @@
             <a:fld id="{C0D025BB-35D5-419D-8ED2-E5EDB67F143A}" type="datetimeFigureOut">
               <a:rPr lang="en-US" smtClean="0"/>
               <a:pPr/>
-              <a:t>9/28/2020</a:t>
+              <a:t>9/28/2021</a:t>
             </a:fld>
             <a:endParaRPr lang="en-US"/>
           </a:p>
@@ -909,51 +909,51 @@
               <a:buNone/>
             </a:pPr>
             <a:r>
-              <a:rPr lang="hu-HU" dirty="0" smtClean="0"/>
+              <a:rPr lang="hu-HU" dirty="0"/>
               <a:t>Az összes</a:t>
             </a:r>
             <a:r>
-              <a:rPr lang="hu-HU" baseline="0" dirty="0" smtClean="0"/>
+              <a:rPr lang="hu-HU" baseline="0" dirty="0"/>
               <a:t> használt könyvtárat a GraphGame solution-ben a Common mappába fogjuk gyűjteni. Így nem kell a gépre telepíteni semmit, és önjáró lesz a solution. Természetesen, ha több solutionben is szeretnénk használni például az assimpet, akkor fel lehet rakni pl. a C</a:t>
             </a:r>
             <a:r>
-              <a:rPr lang="en-US" baseline="0" dirty="0" smtClean="0"/>
+              <a:rPr lang="en-US" baseline="0" dirty="0"/>
               <a:t>:\SDK</a:t>
             </a:r>
             <a:r>
-              <a:rPr lang="hu-HU" baseline="0" dirty="0" smtClean="0"/>
+              <a:rPr lang="hu-HU" baseline="0" dirty="0"/>
               <a:t>,</a:t>
             </a:r>
             <a:r>
-              <a:rPr lang="en-US" baseline="0" dirty="0" smtClean="0"/>
-              <a:t> </a:t>
-            </a:r>
-            <a:r>
-              <a:rPr lang="en-US" baseline="0" dirty="0" err="1" smtClean="0"/>
+              <a:rPr lang="en-US" baseline="0" dirty="0"/>
+              <a:t> </a:t>
+            </a:r>
+            <a:r>
+              <a:rPr lang="en-US" baseline="0" dirty="0" err="1"/>
               <a:t>vagy</a:t>
             </a:r>
             <a:r>
-              <a:rPr lang="en-US" baseline="0" dirty="0" smtClean="0"/>
+              <a:rPr lang="en-US" baseline="0" dirty="0"/>
               <a:t> D:\Development\External</a:t>
             </a:r>
             <a:r>
-              <a:rPr lang="hu-HU" baseline="0" dirty="0" smtClean="0"/>
+              <a:rPr lang="hu-HU" baseline="0" dirty="0"/>
               <a:t>,</a:t>
             </a:r>
             <a:r>
-              <a:rPr lang="en-US" baseline="0" dirty="0" smtClean="0"/>
-              <a:t> </a:t>
-            </a:r>
-            <a:r>
-              <a:rPr lang="en-US" baseline="0" dirty="0" err="1" smtClean="0"/>
+              <a:rPr lang="en-US" baseline="0" dirty="0"/>
+              <a:t> </a:t>
+            </a:r>
+            <a:r>
+              <a:rPr lang="en-US" baseline="0" dirty="0" err="1"/>
               <a:t>vagy</a:t>
             </a:r>
             <a:r>
-              <a:rPr lang="en-US" baseline="0" dirty="0" smtClean="0"/>
-              <a:t> </a:t>
-            </a:r>
-            <a:r>
-              <a:rPr lang="hu-HU" baseline="0" dirty="0" smtClean="0"/>
+              <a:rPr lang="en-US" baseline="0" dirty="0"/>
+              <a:t> </a:t>
+            </a:r>
+            <a:r>
+              <a:rPr lang="hu-HU" baseline="0" dirty="0"/>
               <a:t>tetszőleges nevű helyre. Ekkor viszont a projectjeinkben az include és library path-okat be kell állítani, a dll-eket futtatáskor pedig elérhetővé kell tenni.</a:t>
             </a:r>
             <a:endParaRPr lang="en-US" dirty="0"/>
@@ -4033,19 +4033,19 @@
               <a:t> is a </a:t>
             </a:r>
             <a:r>
-              <a:rPr lang="hu-HU" i="0" dirty="0" smtClean="0"/>
+              <a:rPr lang="hu-HU" i="0" dirty="0"/>
               <a:t>feketével</a:t>
             </a:r>
             <a:r>
-              <a:rPr lang="hu-HU" i="0" baseline="0" dirty="0" smtClean="0"/>
-              <a:t> </a:t>
-            </a:r>
-            <a:r>
-              <a:rPr lang="en-US" i="0" dirty="0" err="1" smtClean="0"/>
+              <a:rPr lang="hu-HU" i="0" baseline="0" dirty="0"/>
+              <a:t> </a:t>
+            </a:r>
+            <a:r>
+              <a:rPr lang="en-US" i="0" dirty="0" err="1"/>
               <a:t>szedett</a:t>
             </a:r>
             <a:r>
-              <a:rPr lang="en-US" i="0" dirty="0" smtClean="0"/>
+              <a:rPr lang="en-US" i="0" dirty="0"/>
               <a:t> </a:t>
             </a:r>
             <a:r>
@@ -4154,10 +4154,6 @@
             </a:r>
           </a:p>
           <a:p>
-            <a:r>
-              <a:rPr lang="en-US" i="0" dirty="0"/>
-              <a:t/>
-            </a:r>
             <a:br>
               <a:rPr lang="en-US" i="0" dirty="0"/>
             </a:br>
@@ -5646,12 +5642,8 @@
           <a:lstStyle/>
           <a:p>
             <a:r>
-              <a:rPr lang="en-US" dirty="0" smtClean="0"/>
-              <a:t>VS2019</a:t>
-            </a:r>
-            <a:r>
-              <a:rPr lang="en-US" dirty="0"/>
-              <a:t>: View &gt; Other Windows &gt; Property Manager</a:t>
+              <a:rPr lang="en-US" dirty="0"/>
+              <a:t>VS2019: View &gt; Other Windows &gt; Property Manager</a:t>
             </a:r>
           </a:p>
           <a:p>
@@ -8406,26 +8398,22 @@
             </a:r>
             <a:r>
               <a:rPr lang="en-US" dirty="0"/>
-              <a:t> </a:t>
-            </a:r>
-            <a:r>
-              <a:rPr lang="en-US" dirty="0" smtClean="0"/>
-              <a:t>(</a:t>
-            </a:r>
-            <a:r>
-              <a:rPr lang="hu-HU" dirty="0" smtClean="0"/>
+              <a:t> (</a:t>
+            </a:r>
+            <a:r>
+              <a:rPr lang="hu-HU" dirty="0"/>
               <a:t>meterial</a:t>
             </a:r>
             <a:r>
-              <a:rPr lang="en-US" dirty="0" smtClean="0"/>
+              <a:rPr lang="en-US" dirty="0"/>
               <a:t>&gt;</a:t>
             </a:r>
             <a:r>
-              <a:rPr lang="hu-HU" dirty="0" smtClean="0"/>
+              <a:rPr lang="hu-HU" dirty="0"/>
               <a:t>Set</a:t>
             </a:r>
             <a:r>
-              <a:rPr lang="en-US" dirty="0" err="1" smtClean="0"/>
+              <a:rPr lang="en-US" dirty="0" err="1"/>
               <a:t>ConstantBuffer</a:t>
             </a:r>
             <a:r>
@@ -14351,7 +14339,7 @@
             <a:fld id="{77DAEA1A-6276-4434-840E-9C81C04BC3C1}" type="datetimeFigureOut">
               <a:rPr lang="en-US" smtClean="0"/>
               <a:pPr/>
-              <a:t>9/28/2020</a:t>
+              <a:t>9/28/2021</a:t>
             </a:fld>
             <a:endParaRPr lang="en-US"/>
           </a:p>
@@ -14874,6 +14862,17 @@
           </a:p>
           <a:p>
             <a:r>
+              <a:rPr lang="en-US" sz="2400" dirty="0"/>
+              <a:t>//m</a:t>
+            </a:r>
+            <a:r>
+              <a:rPr lang="hu-HU" sz="2400" dirty="0"/>
+              <a:t>ár megvan</a:t>
+            </a:r>
+            <a:endParaRPr lang="en-US" sz="2400" dirty="0"/>
+          </a:p>
+          <a:p>
+            <a:r>
               <a:rPr lang="en-US" sz="2400" dirty="0" err="1"/>
               <a:t>com_ptr</a:t>
             </a:r>
@@ -14915,7 +14914,7 @@
           <p:cNvPr id="6" name="Title 5">
             <a:extLst>
               <a:ext uri="{FF2B5EF4-FFF2-40B4-BE49-F238E27FC236}">
-                <a16:creationId xmlns:a16="http://schemas.microsoft.com/office/drawing/2014/main" xmlns="" id="{13397F04-F22D-49B7-9111-3E764FC17708}"/>
+                <a16:creationId xmlns:a16="http://schemas.microsoft.com/office/drawing/2014/main" id="{13397F04-F22D-49B7-9111-3E764FC17708}"/>
               </a:ext>
             </a:extLst>
           </p:cNvPr>
@@ -14937,12 +14936,12 @@
           <a:lstStyle/>
           <a:p>
             <a:r>
-              <a:rPr lang="en-US" sz="4000"/>
-              <a:t>ggl003App</a:t>
+              <a:rPr lang="en-US" sz="4000" dirty="0" err="1"/>
+              <a:t>SimpleApp.h</a:t>
             </a:r>
             <a:r>
               <a:rPr lang="en-US" sz="4000" dirty="0"/>
-              <a:t>.h – </a:t>
+              <a:t> – </a:t>
             </a:r>
             <a:r>
               <a:rPr lang="en-US" sz="4000" dirty="0" err="1"/>
@@ -15013,28 +15012,6 @@
             </a:r>
           </a:p>
           <a:p>
-            <a:r>
-              <a:rPr lang="en-US" sz="2400" dirty="0"/>
-              <a:t>	Egg::</a:t>
-            </a:r>
-            <a:r>
-              <a:rPr lang="en-US" sz="2400" dirty="0" err="1"/>
-              <a:t>SimpleApp</a:t>
-            </a:r>
-            <a:r>
-              <a:rPr lang="en-US" sz="2400" dirty="0"/>
-              <a:t>::</a:t>
-            </a:r>
-            <a:r>
-              <a:rPr lang="en-US" sz="2400" dirty="0" err="1"/>
-              <a:t>CreateSwapChainResources</a:t>
-            </a:r>
-            <a:r>
-              <a:rPr lang="en-US" sz="2400" dirty="0"/>
-              <a:t>();</a:t>
-            </a:r>
-          </a:p>
-          <a:p>
             <a:endParaRPr lang="en-US" sz="2400" dirty="0"/>
           </a:p>
           <a:p>
@@ -15130,7 +15107,7 @@
           <p:cNvPr id="6" name="Title 5">
             <a:extLst>
               <a:ext uri="{FF2B5EF4-FFF2-40B4-BE49-F238E27FC236}">
-                <a16:creationId xmlns:a16="http://schemas.microsoft.com/office/drawing/2014/main" xmlns="" id="{13397F04-F22D-49B7-9111-3E764FC17708}"/>
+                <a16:creationId xmlns:a16="http://schemas.microsoft.com/office/drawing/2014/main" id="{13397F04-F22D-49B7-9111-3E764FC17708}"/>
               </a:ext>
             </a:extLst>
           </p:cNvPr>
@@ -15152,10 +15129,18 @@
           <a:lstStyle/>
           <a:p>
             <a:r>
-              <a:rPr lang="en-US" sz="4000" dirty="0" err="1"/>
+              <a:rPr lang="hu-HU" sz="3200" dirty="0" err="1"/>
+              <a:t>SimpleApp</a:t>
+            </a:r>
+            <a:r>
+              <a:rPr lang="en-US" sz="3200" dirty="0"/>
+              <a:t>::</a:t>
+            </a:r>
+            <a:r>
+              <a:rPr lang="en-US" sz="3200" dirty="0" err="1"/>
               <a:t>CreateSwapChainResources</a:t>
             </a:r>
-            <a:endParaRPr lang="hu-HU" sz="4000" dirty="0"/>
+            <a:endParaRPr lang="hu-HU" sz="3200" dirty="0"/>
           </a:p>
         </p:txBody>
       </p:sp>
@@ -15354,7 +15339,7 @@
           <p:cNvPr id="6" name="Title 5">
             <a:extLst>
               <a:ext uri="{FF2B5EF4-FFF2-40B4-BE49-F238E27FC236}">
-                <a16:creationId xmlns:a16="http://schemas.microsoft.com/office/drawing/2014/main" xmlns="" id="{13397F04-F22D-49B7-9111-3E764FC17708}"/>
+                <a16:creationId xmlns:a16="http://schemas.microsoft.com/office/drawing/2014/main" id="{13397F04-F22D-49B7-9111-3E764FC17708}"/>
               </a:ext>
             </a:extLst>
           </p:cNvPr>
@@ -15376,14 +15361,18 @@
           <a:lstStyle/>
           <a:p>
             <a:r>
-              <a:rPr lang="en-US" sz="4000" dirty="0" err="1"/>
+              <a:rPr lang="hu-HU" sz="3200" dirty="0" err="1"/>
+              <a:t>SimpleApp</a:t>
+            </a:r>
+            <a:r>
+              <a:rPr lang="en-US" sz="3200" dirty="0"/>
+              <a:t>::</a:t>
+            </a:r>
+            <a:r>
+              <a:rPr lang="en-US" sz="3200" dirty="0" err="1"/>
               <a:t>CreateSwapChainResources</a:t>
             </a:r>
-            <a:r>
-              <a:rPr lang="en-US" sz="4000" dirty="0"/>
-              <a:t> - 2</a:t>
-            </a:r>
-            <a:endParaRPr lang="hu-HU" sz="4000" dirty="0"/>
+            <a:endParaRPr lang="hu-HU" sz="3200" dirty="0"/>
           </a:p>
         </p:txBody>
       </p:sp>
@@ -15559,7 +15548,7 @@
           <p:cNvPr id="6" name="Title 5">
             <a:extLst>
               <a:ext uri="{FF2B5EF4-FFF2-40B4-BE49-F238E27FC236}">
-                <a16:creationId xmlns:a16="http://schemas.microsoft.com/office/drawing/2014/main" xmlns="" id="{13397F04-F22D-49B7-9111-3E764FC17708}"/>
+                <a16:creationId xmlns:a16="http://schemas.microsoft.com/office/drawing/2014/main" id="{13397F04-F22D-49B7-9111-3E764FC17708}"/>
               </a:ext>
             </a:extLst>
           </p:cNvPr>
@@ -15581,18 +15570,18 @@
           <a:lstStyle/>
           <a:p>
             <a:r>
-              <a:rPr lang="en-US" sz="4000" dirty="0" err="1"/>
+              <a:rPr lang="hu-HU" sz="3200" dirty="0" err="1"/>
+              <a:t>SimpleApp</a:t>
+            </a:r>
+            <a:r>
+              <a:rPr lang="en-US" sz="3200" dirty="0"/>
+              <a:t>::</a:t>
+            </a:r>
+            <a:r>
+              <a:rPr lang="en-US" sz="3200" dirty="0" err="1"/>
               <a:t>CreateSwapChainResources</a:t>
             </a:r>
-            <a:r>
-              <a:rPr lang="en-US" sz="4000" dirty="0"/>
-              <a:t> - </a:t>
-            </a:r>
-            <a:r>
-              <a:rPr lang="hu-HU" sz="4000" dirty="0" smtClean="0"/>
-              <a:t>3</a:t>
-            </a:r>
-            <a:endParaRPr lang="hu-HU" sz="4000" dirty="0"/>
+            <a:endParaRPr lang="hu-HU" sz="3200" dirty="0"/>
           </a:p>
         </p:txBody>
       </p:sp>
@@ -15685,31 +15674,6 @@
             </a:r>
           </a:p>
           <a:p>
-            <a:endParaRPr lang="en-US" sz="2000" dirty="0"/>
-          </a:p>
-          <a:p>
-            <a:r>
-              <a:rPr lang="en-US" sz="2000" dirty="0"/>
-              <a:t>	Egg::</a:t>
-            </a:r>
-            <a:r>
-              <a:rPr lang="en-US" sz="2000" dirty="0" err="1"/>
-              <a:t>SimpleApp</a:t>
-            </a:r>
-            <a:r>
-              <a:rPr lang="en-US" sz="2000" dirty="0"/>
-              <a:t>::</a:t>
-            </a:r>
-            <a:r>
-              <a:rPr lang="en-US" sz="2000" dirty="0" err="1"/>
-              <a:t>ReleaseSwapChainResources</a:t>
-            </a:r>
-            <a:r>
-              <a:rPr lang="en-US" sz="2000" dirty="0"/>
-              <a:t>();</a:t>
-            </a:r>
-          </a:p>
-          <a:p>
             <a:r>
               <a:rPr lang="en-US" sz="2000" dirty="0"/>
               <a:t>}</a:t>
@@ -15723,7 +15687,7 @@
           <p:cNvPr id="6" name="Title 5">
             <a:extLst>
               <a:ext uri="{FF2B5EF4-FFF2-40B4-BE49-F238E27FC236}">
-                <a16:creationId xmlns:a16="http://schemas.microsoft.com/office/drawing/2014/main" xmlns="" id="{13397F04-F22D-49B7-9111-3E764FC17708}"/>
+                <a16:creationId xmlns:a16="http://schemas.microsoft.com/office/drawing/2014/main" id="{13397F04-F22D-49B7-9111-3E764FC17708}"/>
               </a:ext>
             </a:extLst>
           </p:cNvPr>
@@ -15745,10 +15709,18 @@
           <a:lstStyle/>
           <a:p>
             <a:r>
-              <a:rPr lang="en-US" sz="4000" dirty="0" err="1"/>
+              <a:rPr lang="en-US" sz="2800" dirty="0" err="1"/>
+              <a:t>SimpleApp</a:t>
+            </a:r>
+            <a:r>
+              <a:rPr lang="en-US" sz="2800" dirty="0"/>
+              <a:t>::</a:t>
+            </a:r>
+            <a:r>
+              <a:rPr lang="en-US" sz="2800" dirty="0" err="1"/>
               <a:t>ReleaseSwapChainResources</a:t>
             </a:r>
-            <a:endParaRPr lang="hu-HU" sz="4000" dirty="0"/>
+            <a:endParaRPr lang="hu-HU" sz="2800" dirty="0"/>
           </a:p>
         </p:txBody>
       </p:sp>
@@ -16012,20 +15984,10 @@
                   </a:schemeClr>
                 </a:solidFill>
               </a:rPr>
-              <a:t>(1,&amp;</a:t>
-            </a:r>
-            <a:r>
-              <a:rPr lang="en-US" sz="1800" dirty="0" smtClean="0">
-                <a:solidFill>
-                  <a:schemeClr val="bg1">
-                    <a:lumMod val="50000"/>
-                  </a:schemeClr>
-                </a:solidFill>
-              </a:rPr>
-              <a:t>rHandle,FALSE,</a:t>
-            </a:r>
-            <a:r>
-              <a:rPr lang="hu-HU" sz="1800" strike="sngStrike" dirty="0" smtClean="0">
+              <a:t>(1,&amp;rHandle,FALSE,</a:t>
+            </a:r>
+            <a:r>
+              <a:rPr lang="hu-HU" sz="1800" strike="sngStrike" dirty="0">
                 <a:solidFill>
                   <a:srgbClr val="FF0000"/>
                 </a:solidFill>
@@ -16033,11 +15995,11 @@
               <a:t>nullptr</a:t>
             </a:r>
             <a:r>
-              <a:rPr lang="en-US" sz="1800" dirty="0" smtClean="0"/>
+              <a:rPr lang="en-US" sz="1800" dirty="0"/>
               <a:t>&amp;</a:t>
             </a:r>
             <a:r>
-              <a:rPr lang="en-US" sz="1800" dirty="0" err="1" smtClean="0"/>
+              <a:rPr lang="en-US" sz="1800" dirty="0" err="1"/>
               <a:t>dsvHandle</a:t>
             </a:r>
             <a:r>
@@ -16242,7 +16204,7 @@
           <p:cNvPr id="6" name="Title 5">
             <a:extLst>
               <a:ext uri="{FF2B5EF4-FFF2-40B4-BE49-F238E27FC236}">
-                <a16:creationId xmlns:a16="http://schemas.microsoft.com/office/drawing/2014/main" xmlns="" id="{13397F04-F22D-49B7-9111-3E764FC17708}"/>
+                <a16:creationId xmlns:a16="http://schemas.microsoft.com/office/drawing/2014/main" id="{13397F04-F22D-49B7-9111-3E764FC17708}"/>
               </a:ext>
             </a:extLst>
           </p:cNvPr>
@@ -16539,7 +16501,7 @@
           <p:cNvPr id="6" name="Title 5">
             <a:extLst>
               <a:ext uri="{FF2B5EF4-FFF2-40B4-BE49-F238E27FC236}">
-                <a16:creationId xmlns:a16="http://schemas.microsoft.com/office/drawing/2014/main" xmlns="" id="{13397F04-F22D-49B7-9111-3E764FC17708}"/>
+                <a16:creationId xmlns:a16="http://schemas.microsoft.com/office/drawing/2014/main" id="{13397F04-F22D-49B7-9111-3E764FC17708}"/>
               </a:ext>
             </a:extLst>
           </p:cNvPr>
@@ -16603,7 +16565,7 @@
           <p:cNvPr id="2" name="Title 1">
             <a:extLst>
               <a:ext uri="{FF2B5EF4-FFF2-40B4-BE49-F238E27FC236}">
-                <a16:creationId xmlns:a16="http://schemas.microsoft.com/office/drawing/2014/main" xmlns="" id="{BA1CFB0B-3752-4BC2-90F4-141AB8C9BE78}"/>
+                <a16:creationId xmlns:a16="http://schemas.microsoft.com/office/drawing/2014/main" id="{BA1CFB0B-3752-4BC2-90F4-141AB8C9BE78}"/>
               </a:ext>
             </a:extLst>
           </p:cNvPr>
@@ -16632,7 +16594,7 @@
           <p:cNvPr id="4" name="Picture 3">
             <a:extLst>
               <a:ext uri="{FF2B5EF4-FFF2-40B4-BE49-F238E27FC236}">
-                <a16:creationId xmlns:a16="http://schemas.microsoft.com/office/drawing/2014/main" xmlns="" id="{D17A3434-C9A6-4A2F-AB8D-FBEF89F7AC79}"/>
+                <a16:creationId xmlns:a16="http://schemas.microsoft.com/office/drawing/2014/main" id="{D17A3434-C9A6-4A2F-AB8D-FBEF89F7AC79}"/>
               </a:ext>
             </a:extLst>
           </p:cNvPr>
@@ -16692,7 +16654,7 @@
           <p:cNvPr id="2" name="Title 1">
             <a:extLst>
               <a:ext uri="{FF2B5EF4-FFF2-40B4-BE49-F238E27FC236}">
-                <a16:creationId xmlns:a16="http://schemas.microsoft.com/office/drawing/2014/main" xmlns="" id="{BA1CFB0B-3752-4BC2-90F4-141AB8C9BE78}"/>
+                <a16:creationId xmlns:a16="http://schemas.microsoft.com/office/drawing/2014/main" id="{BA1CFB0B-3752-4BC2-90F4-141AB8C9BE78}"/>
               </a:ext>
             </a:extLst>
           </p:cNvPr>
@@ -16725,7 +16687,7 @@
           <p:cNvPr id="8" name="Content Placeholder 2">
             <a:extLst>
               <a:ext uri="{FF2B5EF4-FFF2-40B4-BE49-F238E27FC236}">
-                <a16:creationId xmlns:a16="http://schemas.microsoft.com/office/drawing/2014/main" xmlns="" id="{4CB61772-3705-40E6-95A2-F01AB94A3E5D}"/>
+                <a16:creationId xmlns:a16="http://schemas.microsoft.com/office/drawing/2014/main" id="{4CB61772-3705-40E6-95A2-F01AB94A3E5D}"/>
               </a:ext>
             </a:extLst>
           </p:cNvPr>
@@ -17160,11 +17122,11 @@
               <a:t> a </a:t>
             </a:r>
             <a:r>
-              <a:rPr lang="hu-HU" smtClean="0"/>
+              <a:rPr lang="hu-HU"/>
               <a:t>Moodleön</a:t>
             </a:r>
             <a:r>
-              <a:rPr lang="en-US" smtClean="0"/>
+              <a:rPr lang="en-US"/>
               <a:t>)</a:t>
             </a:r>
             <a:endParaRPr lang="en-US" dirty="0"/>
@@ -17245,7 +17207,7 @@
           <p:cNvPr id="4" name="Tartalom helye 2">
             <a:extLst>
               <a:ext uri="{FF2B5EF4-FFF2-40B4-BE49-F238E27FC236}">
-                <a16:creationId xmlns:a16="http://schemas.microsoft.com/office/drawing/2014/main" xmlns="" id="{6656AE22-C593-43CD-BEF3-6FFD0E284A64}"/>
+                <a16:creationId xmlns:a16="http://schemas.microsoft.com/office/drawing/2014/main" id="{6656AE22-C593-43CD-BEF3-6FFD0E284A64}"/>
               </a:ext>
             </a:extLst>
           </p:cNvPr>
@@ -17267,7 +17229,7 @@
           <a:lstStyle/>
           <a:p>
             <a:r>
-              <a:rPr lang="hu-HU" b="1" dirty="0" smtClean="0">
+              <a:rPr lang="hu-HU" b="1" dirty="0">
                 <a:solidFill>
                   <a:srgbClr val="C00000"/>
                 </a:solidFill>
@@ -17277,12 +17239,8 @@
           </a:p>
           <a:p>
             <a:r>
-              <a:rPr lang="en-US" dirty="0" smtClean="0"/>
-              <a:t>Open </a:t>
-            </a:r>
-            <a:r>
-              <a:rPr lang="en-US" dirty="0"/>
-              <a:t>Asset Importer Library a </a:t>
+              <a:rPr lang="en-US" dirty="0"/>
+              <a:t>Open Asset Importer Library a </a:t>
             </a:r>
             <a:r>
               <a:rPr lang="en-US" dirty="0" err="1"/>
@@ -17463,10 +17421,9 @@
               <a:t>tölteni</a:t>
             </a:r>
             <a:r>
-              <a:rPr lang="en-US" dirty="0" smtClean="0"/>
+              <a:rPr lang="en-US" dirty="0"/>
               <a:t>.</a:t>
             </a:r>
-            <a:endParaRPr lang="en-US" dirty="0"/>
           </a:p>
         </p:txBody>
       </p:sp>
@@ -17500,7 +17457,7 @@
           <p:cNvPr id="2" name="Title 1">
             <a:extLst>
               <a:ext uri="{FF2B5EF4-FFF2-40B4-BE49-F238E27FC236}">
-                <a16:creationId xmlns:a16="http://schemas.microsoft.com/office/drawing/2014/main" xmlns="" id="{BA1CFB0B-3752-4BC2-90F4-141AB8C9BE78}"/>
+                <a16:creationId xmlns:a16="http://schemas.microsoft.com/office/drawing/2014/main" id="{BA1CFB0B-3752-4BC2-90F4-141AB8C9BE78}"/>
               </a:ext>
             </a:extLst>
           </p:cNvPr>
@@ -17549,7 +17506,7 @@
           <p:cNvPr id="3" name="Content Placeholder 2">
             <a:extLst>
               <a:ext uri="{FF2B5EF4-FFF2-40B4-BE49-F238E27FC236}">
-                <a16:creationId xmlns:a16="http://schemas.microsoft.com/office/drawing/2014/main" xmlns="" id="{A97D8901-D24D-4C6F-95EA-012E93D21C9F}"/>
+                <a16:creationId xmlns:a16="http://schemas.microsoft.com/office/drawing/2014/main" id="{A97D8901-D24D-4C6F-95EA-012E93D21C9F}"/>
               </a:ext>
             </a:extLst>
           </p:cNvPr>
@@ -17588,23 +17545,19 @@
               <a:t> meg </a:t>
             </a:r>
             <a:r>
-              <a:rPr lang="en-US" dirty="0" err="1" smtClean="0"/>
+              <a:rPr lang="en-US" dirty="0" err="1"/>
               <a:t>az</a:t>
             </a:r>
             <a:r>
               <a:rPr lang="hu-HU" dirty="0"/>
-              <a:t> </a:t>
-            </a:r>
-            <a:r>
-              <a:rPr lang="hu-HU" dirty="0" smtClean="0"/>
-              <a:t>Egg/Debug x64/Default </a:t>
-            </a:r>
-            <a:r>
-              <a:rPr lang="en-US" dirty="0" err="1" smtClean="0"/>
+              <a:t> Egg/Debug x64/Default </a:t>
+            </a:r>
+            <a:r>
+              <a:rPr lang="en-US" dirty="0" err="1"/>
               <a:t>konfigurációs</a:t>
             </a:r>
             <a:r>
-              <a:rPr lang="en-US" dirty="0" smtClean="0"/>
+              <a:rPr lang="en-US" dirty="0"/>
               <a:t> </a:t>
             </a:r>
             <a:r>
@@ -17615,7 +17568,7 @@
           </a:p>
           <a:p>
             <a:r>
-              <a:rPr lang="hu-HU" dirty="0" smtClean="0"/>
+              <a:rPr lang="hu-HU" dirty="0"/>
               <a:t>C++/General/Addition Include</a:t>
             </a:r>
           </a:p>
@@ -17641,17 +17594,12 @@
             </a:r>
             <a:r>
               <a:rPr lang="en-US" dirty="0"/>
-              <a:t>\include</a:t>
-            </a:r>
-            <a:r>
-              <a:rPr lang="en-US" dirty="0" smtClean="0"/>
-              <a:t>\</a:t>
-            </a:r>
-            <a:endParaRPr lang="en-US" dirty="0"/>
-          </a:p>
-          <a:p>
-            <a:r>
-              <a:rPr lang="hu-HU" dirty="0" smtClean="0"/>
+              <a:t>\include\</a:t>
+            </a:r>
+          </a:p>
+          <a:p>
+            <a:r>
+              <a:rPr lang="hu-HU" dirty="0"/>
               <a:t>Linker/General/Addition Lib Dir</a:t>
             </a:r>
           </a:p>
@@ -17666,7 +17614,7 @@
           </a:p>
           <a:p>
             <a:r>
-              <a:rPr lang="hu-HU" dirty="0" smtClean="0"/>
+              <a:rPr lang="hu-HU" dirty="0"/>
               <a:t>Linker/Input/Additional Dependencies</a:t>
             </a:r>
           </a:p>
@@ -17675,10 +17623,9 @@
               <a:buNone/>
             </a:pPr>
             <a:r>
-              <a:rPr lang="en-US" dirty="0" smtClean="0"/>
+              <a:rPr lang="en-US" dirty="0"/>
               <a:t>assimp-vc140-mt.lib</a:t>
             </a:r>
-            <a:endParaRPr lang="en-US" dirty="0"/>
           </a:p>
         </p:txBody>
       </p:sp>
@@ -17717,7 +17664,7 @@
           <p:cNvPr id="2" name="Title 1">
             <a:extLst>
               <a:ext uri="{FF2B5EF4-FFF2-40B4-BE49-F238E27FC236}">
-                <a16:creationId xmlns:a16="http://schemas.microsoft.com/office/drawing/2014/main" xmlns="" id="{BA1CFB0B-3752-4BC2-90F4-141AB8C9BE78}"/>
+                <a16:creationId xmlns:a16="http://schemas.microsoft.com/office/drawing/2014/main" id="{BA1CFB0B-3752-4BC2-90F4-141AB8C9BE78}"/>
               </a:ext>
             </a:extLst>
           </p:cNvPr>
@@ -17746,7 +17693,7 @@
           <p:cNvPr id="8" name="Content Placeholder 2">
             <a:extLst>
               <a:ext uri="{FF2B5EF4-FFF2-40B4-BE49-F238E27FC236}">
-                <a16:creationId xmlns:a16="http://schemas.microsoft.com/office/drawing/2014/main" xmlns="" id="{4CB61772-3705-40E6-95A2-F01AB94A3E5D}"/>
+                <a16:creationId xmlns:a16="http://schemas.microsoft.com/office/drawing/2014/main" id="{4CB61772-3705-40E6-95A2-F01AB94A3E5D}"/>
               </a:ext>
             </a:extLst>
           </p:cNvPr>
@@ -18133,7 +18080,7 @@
               <a:t> </a:t>
             </a:r>
             <a:r>
-              <a:rPr lang="en-US" dirty="0" err="1" smtClean="0"/>
+              <a:rPr lang="en-US" dirty="0" err="1"/>
               <a:t>keres</a:t>
             </a:r>
             <a:endParaRPr lang="en-US" dirty="0"/>
@@ -18175,7 +18122,7 @@
           <p:cNvPr id="2" name="Title 1">
             <a:extLst>
               <a:ext uri="{FF2B5EF4-FFF2-40B4-BE49-F238E27FC236}">
-                <a16:creationId xmlns:a16="http://schemas.microsoft.com/office/drawing/2014/main" xmlns="" id="{BA1CFB0B-3752-4BC2-90F4-141AB8C9BE78}"/>
+                <a16:creationId xmlns:a16="http://schemas.microsoft.com/office/drawing/2014/main" id="{BA1CFB0B-3752-4BC2-90F4-141AB8C9BE78}"/>
               </a:ext>
             </a:extLst>
           </p:cNvPr>
@@ -18192,10 +18139,9 @@
           <a:lstStyle/>
           <a:p>
             <a:r>
-              <a:rPr lang="hu-HU" dirty="0" smtClean="0"/>
+              <a:rPr lang="hu-HU" dirty="0"/>
               <a:t>Common/UtilCopyDLL</a:t>
             </a:r>
-            <a:endParaRPr lang="hu-HU" dirty="0"/>
           </a:p>
         </p:txBody>
       </p:sp>
@@ -18204,7 +18150,7 @@
           <p:cNvPr id="8" name="Content Placeholder 2">
             <a:extLst>
               <a:ext uri="{FF2B5EF4-FFF2-40B4-BE49-F238E27FC236}">
-                <a16:creationId xmlns:a16="http://schemas.microsoft.com/office/drawing/2014/main" xmlns="" id="{4CB61772-3705-40E6-95A2-F01AB94A3E5D}"/>
+                <a16:creationId xmlns:a16="http://schemas.microsoft.com/office/drawing/2014/main" id="{4CB61772-3705-40E6-95A2-F01AB94A3E5D}"/>
               </a:ext>
             </a:extLst>
           </p:cNvPr>
@@ -18507,16 +18453,12 @@
               <a:t> </a:t>
             </a:r>
             <a:r>
-              <a:rPr lang="hu-HU" dirty="0" smtClean="0"/>
+              <a:rPr lang="hu-HU" dirty="0"/>
               <a:t>megoldás, </a:t>
             </a:r>
             <a:r>
-              <a:rPr lang="en-US" dirty="0" smtClean="0"/>
-              <a:t>ha </a:t>
-            </a:r>
-            <a:r>
-              <a:rPr lang="en-US" dirty="0"/>
-              <a:t>a .</a:t>
+              <a:rPr lang="en-US" dirty="0"/>
+              <a:t>ha a .</a:t>
             </a:r>
             <a:r>
               <a:rPr lang="en-US" dirty="0" err="1"/>
@@ -18550,10 +18492,9 @@
           </a:p>
           <a:p>
             <a:r>
-              <a:rPr lang="hu-HU" dirty="0" smtClean="0"/>
+              <a:rPr lang="hu-HU" dirty="0"/>
               <a:t>az UtilCopyDLL projekt ezt a másolást hajtja végre, Properties:Custom Build Step/Command Line-on található a parancs</a:t>
             </a:r>
-            <a:endParaRPr lang="hu-HU" dirty="0"/>
           </a:p>
         </p:txBody>
       </p:sp>
@@ -18592,7 +18533,7 @@
           <p:cNvPr id="2" name="Title 1">
             <a:extLst>
               <a:ext uri="{FF2B5EF4-FFF2-40B4-BE49-F238E27FC236}">
-                <a16:creationId xmlns:a16="http://schemas.microsoft.com/office/drawing/2014/main" xmlns="" id="{BA1CFB0B-3752-4BC2-90F4-141AB8C9BE78}"/>
+                <a16:creationId xmlns:a16="http://schemas.microsoft.com/office/drawing/2014/main" id="{BA1CFB0B-3752-4BC2-90F4-141AB8C9BE78}"/>
               </a:ext>
             </a:extLst>
           </p:cNvPr>
@@ -18633,7 +18574,7 @@
           <p:cNvPr id="3" name="Picture 2">
             <a:extLst>
               <a:ext uri="{FF2B5EF4-FFF2-40B4-BE49-F238E27FC236}">
-                <a16:creationId xmlns:a16="http://schemas.microsoft.com/office/drawing/2014/main" xmlns="" id="{20D75F84-FD20-48DE-9305-94FE9B164712}"/>
+                <a16:creationId xmlns:a16="http://schemas.microsoft.com/office/drawing/2014/main" id="{20D75F84-FD20-48DE-9305-94FE9B164712}"/>
               </a:ext>
             </a:extLst>
           </p:cNvPr>
@@ -18693,7 +18634,7 @@
           <p:cNvPr id="2" name="Title 1">
             <a:extLst>
               <a:ext uri="{FF2B5EF4-FFF2-40B4-BE49-F238E27FC236}">
-                <a16:creationId xmlns:a16="http://schemas.microsoft.com/office/drawing/2014/main" xmlns="" id="{BA1CFB0B-3752-4BC2-90F4-141AB8C9BE78}"/>
+                <a16:creationId xmlns:a16="http://schemas.microsoft.com/office/drawing/2014/main" id="{BA1CFB0B-3752-4BC2-90F4-141AB8C9BE78}"/>
               </a:ext>
             </a:extLst>
           </p:cNvPr>
@@ -18722,7 +18663,7 @@
           <p:cNvPr id="8" name="Content Placeholder 2">
             <a:extLst>
               <a:ext uri="{FF2B5EF4-FFF2-40B4-BE49-F238E27FC236}">
-                <a16:creationId xmlns:a16="http://schemas.microsoft.com/office/drawing/2014/main" xmlns="" id="{4CB61772-3705-40E6-95A2-F01AB94A3E5D}"/>
+                <a16:creationId xmlns:a16="http://schemas.microsoft.com/office/drawing/2014/main" id="{4CB61772-3705-40E6-95A2-F01AB94A3E5D}"/>
               </a:ext>
             </a:extLst>
           </p:cNvPr>
@@ -19095,7 +19036,7 @@
           <p:cNvPr id="2" name="Title 1">
             <a:extLst>
               <a:ext uri="{FF2B5EF4-FFF2-40B4-BE49-F238E27FC236}">
-                <a16:creationId xmlns:a16="http://schemas.microsoft.com/office/drawing/2014/main" xmlns="" id="{BA1CFB0B-3752-4BC2-90F4-141AB8C9BE78}"/>
+                <a16:creationId xmlns:a16="http://schemas.microsoft.com/office/drawing/2014/main" id="{BA1CFB0B-3752-4BC2-90F4-141AB8C9BE78}"/>
               </a:ext>
             </a:extLst>
           </p:cNvPr>
@@ -19136,7 +19077,7 @@
           <p:cNvPr id="3" name="Picture 2">
             <a:extLst>
               <a:ext uri="{FF2B5EF4-FFF2-40B4-BE49-F238E27FC236}">
-                <a16:creationId xmlns:a16="http://schemas.microsoft.com/office/drawing/2014/main" xmlns="" id="{3D6E7B14-FC69-4F88-B491-5E595830CDF3}"/>
+                <a16:creationId xmlns:a16="http://schemas.microsoft.com/office/drawing/2014/main" id="{3D6E7B14-FC69-4F88-B491-5E595830CDF3}"/>
               </a:ext>
             </a:extLst>
           </p:cNvPr>
@@ -19196,7 +19137,7 @@
           <p:cNvPr id="2" name="Title 1">
             <a:extLst>
               <a:ext uri="{FF2B5EF4-FFF2-40B4-BE49-F238E27FC236}">
-                <a16:creationId xmlns:a16="http://schemas.microsoft.com/office/drawing/2014/main" xmlns="" id="{BA1CFB0B-3752-4BC2-90F4-141AB8C9BE78}"/>
+                <a16:creationId xmlns:a16="http://schemas.microsoft.com/office/drawing/2014/main" id="{BA1CFB0B-3752-4BC2-90F4-141AB8C9BE78}"/>
               </a:ext>
             </a:extLst>
           </p:cNvPr>
@@ -19233,7 +19174,7 @@
           <p:cNvPr id="8" name="Content Placeholder 2">
             <a:extLst>
               <a:ext uri="{FF2B5EF4-FFF2-40B4-BE49-F238E27FC236}">
-                <a16:creationId xmlns:a16="http://schemas.microsoft.com/office/drawing/2014/main" xmlns="" id="{4CB61772-3705-40E6-95A2-F01AB94A3E5D}"/>
+                <a16:creationId xmlns:a16="http://schemas.microsoft.com/office/drawing/2014/main" id="{4CB61772-3705-40E6-95A2-F01AB94A3E5D}"/>
               </a:ext>
             </a:extLst>
           </p:cNvPr>
